--- a/簡報1.pptx
+++ b/簡報1.pptx
@@ -3603,56 +3603,6 @@
           <a:chExt cx="0" cy="0"/>
         </a:xfrm>
       </p:grpSpPr>
-      <p:sp>
-        <p:nvSpPr>
-          <p:cNvPr id="2" name="標題 1">
-            <a:extLst>
-              <a:ext uri="{FF2B5EF4-FFF2-40B4-BE49-F238E27FC236}">
-                <a16:creationId xmlns:a16="http://schemas.microsoft.com/office/drawing/2014/main" id="{8A8CB6A2-E015-4AA0-8A8F-BCD831B32D99}"/>
-              </a:ext>
-            </a:extLst>
-          </p:cNvPr>
-          <p:cNvSpPr>
-            <a:spLocks noGrp="1"/>
-          </p:cNvSpPr>
-          <p:nvPr>
-            <p:ph type="title"/>
-          </p:nvPr>
-        </p:nvSpPr>
-        <p:spPr/>
-        <p:txBody>
-          <a:bodyPr/>
-          <a:lstStyle/>
-          <a:p>
-            <a:endParaRPr lang="zh-TW" altLang="en-US"/>
-          </a:p>
-        </p:txBody>
-      </p:sp>
-      <p:sp>
-        <p:nvSpPr>
-          <p:cNvPr id="3" name="內容版面配置區 2">
-            <a:extLst>
-              <a:ext uri="{FF2B5EF4-FFF2-40B4-BE49-F238E27FC236}">
-                <a16:creationId xmlns:a16="http://schemas.microsoft.com/office/drawing/2014/main" id="{32B1E8F1-E424-4304-B470-1887F041C03F}"/>
-              </a:ext>
-            </a:extLst>
-          </p:cNvPr>
-          <p:cNvSpPr>
-            <a:spLocks noGrp="1"/>
-          </p:cNvSpPr>
-          <p:nvPr>
-            <p:ph idx="1"/>
-          </p:nvPr>
-        </p:nvSpPr>
-        <p:spPr/>
-        <p:txBody>
-          <a:bodyPr/>
-          <a:lstStyle/>
-          <a:p>
-            <a:endParaRPr lang="zh-TW" altLang="en-US"/>
-          </a:p>
-        </p:txBody>
-      </p:sp>
       <p:pic>
         <p:nvPicPr>
           <p:cNvPr id="5" name="圖片 4">
